--- a/design_generation_service/templates/Dark.pptx
+++ b/design_generation_service/templates/Dark.pptx
@@ -1810,38 +1810,38 @@
           <a:p>
             <a:pPr lvl="0"/>
             <a:r>
-              <a:rPr lang="en-US"/>
+              <a:rPr lang="en-US" dirty="0"/>
               <a:t>Click to edit Master text styles</a:t>
             </a:r>
           </a:p>
           <a:p>
             <a:pPr lvl="1"/>
             <a:r>
-              <a:rPr lang="en-US"/>
+              <a:rPr lang="en-US" dirty="0"/>
               <a:t>Second level</a:t>
             </a:r>
           </a:p>
           <a:p>
             <a:pPr lvl="2"/>
             <a:r>
-              <a:rPr lang="en-US"/>
+              <a:rPr lang="en-US" dirty="0"/>
               <a:t>Third level</a:t>
             </a:r>
           </a:p>
           <a:p>
             <a:pPr lvl="3"/>
             <a:r>
-              <a:rPr lang="en-US"/>
+              <a:rPr lang="en-US" dirty="0"/>
               <a:t>Fourth level</a:t>
             </a:r>
           </a:p>
           <a:p>
             <a:pPr lvl="4"/>
             <a:r>
-              <a:rPr lang="en-US"/>
+              <a:rPr lang="en-US" dirty="0"/>
               <a:t>Fifth level</a:t>
             </a:r>
-            <a:endParaRPr lang="en-IN"/>
+            <a:endParaRPr lang="en-IN" dirty="0"/>
           </a:p>
         </p:txBody>
       </p:sp>
@@ -2093,7 +2093,9 @@
           </a:xfrm>
         </p:spPr>
         <p:txBody>
-          <a:bodyPr/>
+          <a:bodyPr>
+            <a:normAutofit/>
+          </a:bodyPr>
           <a:lstStyle>
             <a:lvl1pPr marL="457200" indent="-381000">
               <a:buClr>
@@ -2101,7 +2103,7 @@
               </a:buClr>
               <a:buFont typeface="Arial" panose="020B0604020202020204" pitchFamily="34" charset="0"/>
               <a:buChar char="•"/>
-              <a:defRPr/>
+              <a:defRPr sz="3200"/>
             </a:lvl1pPr>
             <a:lvl2pPr marL="914400" indent="-381000">
               <a:buClr>
@@ -2109,7 +2111,7 @@
               </a:buClr>
               <a:buFont typeface="Arial" panose="020B0604020202020204" pitchFamily="34" charset="0"/>
               <a:buChar char="•"/>
-              <a:defRPr/>
+              <a:defRPr sz="3200"/>
             </a:lvl2pPr>
             <a:lvl3pPr marL="1371600" indent="-381000">
               <a:buClr>
@@ -2117,7 +2119,7 @@
               </a:buClr>
               <a:buFont typeface="Arial" panose="020B0604020202020204" pitchFamily="34" charset="0"/>
               <a:buChar char="•"/>
-              <a:defRPr/>
+              <a:defRPr sz="3200"/>
             </a:lvl3pPr>
             <a:lvl4pPr marL="1828800" indent="-381000">
               <a:buClr>
@@ -2125,7 +2127,7 @@
               </a:buClr>
               <a:buFont typeface="Arial" panose="020B0604020202020204" pitchFamily="34" charset="0"/>
               <a:buChar char="•"/>
-              <a:defRPr/>
+              <a:defRPr sz="3200"/>
             </a:lvl4pPr>
             <a:lvl5pPr marL="2286000" indent="-381000">
               <a:buClr>
@@ -2133,7 +2135,7 @@
               </a:buClr>
               <a:buFont typeface="Arial" panose="020B0604020202020204" pitchFamily="34" charset="0"/>
               <a:buChar char="•"/>
-              <a:defRPr/>
+              <a:defRPr sz="3200"/>
             </a:lvl5pPr>
           </a:lstStyle>
           <a:p>
@@ -3053,7 +3055,7 @@
               </a:buClr>
               <a:buFont typeface="Wingdings" panose="05000000000000000000" pitchFamily="2" charset="2"/>
               <a:buChar char="§"/>
-              <a:defRPr sz="3600"/>
+              <a:defRPr sz="3200"/>
             </a:lvl1pPr>
             <a:lvl2pPr marL="914400" indent="-381000">
               <a:buClr>
@@ -3061,7 +3063,7 @@
               </a:buClr>
               <a:buFont typeface="Wingdings" panose="05000000000000000000" pitchFamily="2" charset="2"/>
               <a:buChar char="§"/>
-              <a:defRPr sz="3600"/>
+              <a:defRPr sz="3200"/>
             </a:lvl2pPr>
             <a:lvl3pPr marL="1371600" indent="-381000">
               <a:buClr>
@@ -3069,7 +3071,7 @@
               </a:buClr>
               <a:buFont typeface="Wingdings" panose="05000000000000000000" pitchFamily="2" charset="2"/>
               <a:buChar char="§"/>
-              <a:defRPr sz="3600"/>
+              <a:defRPr sz="3200"/>
             </a:lvl3pPr>
             <a:lvl4pPr marL="1828800" indent="-381000">
               <a:buClr>
@@ -3077,7 +3079,7 @@
               </a:buClr>
               <a:buFont typeface="Wingdings" panose="05000000000000000000" pitchFamily="2" charset="2"/>
               <a:buChar char="§"/>
-              <a:defRPr sz="3600"/>
+              <a:defRPr sz="3200"/>
             </a:lvl4pPr>
             <a:lvl5pPr marL="2286000" indent="-381000">
               <a:buClr>
@@ -3085,7 +3087,7 @@
               </a:buClr>
               <a:buFont typeface="Wingdings" panose="05000000000000000000" pitchFamily="2" charset="2"/>
               <a:buChar char="§"/>
-              <a:defRPr sz="3600"/>
+              <a:defRPr sz="3200"/>
             </a:lvl5pPr>
           </a:lstStyle>
           <a:p>
